--- a/EEE_PROJECT_DETAIL.pptx
+++ b/EEE_PROJECT_DETAIL.pptx
@@ -2473,8 +2473,8 @@
         </p:nvSpPr>
         <p:spPr bwMode="auto">
           <a:xfrm>
-            <a:off x="6400800" y="2800350"/>
-            <a:ext cx="25603200" cy="2000250"/>
+            <a:off x="6400800" y="2272806"/>
+            <a:ext cx="25603200" cy="2527794"/>
           </a:xfrm>
           <a:prstGeom prst="rect">
             <a:avLst/>
@@ -2616,7 +2616,7 @@
           <a:p>
             <a:pPr algn="ctr" eaLnBrk="1" hangingPunct="1"/>
             <a:r>
-              <a:rPr lang="en-US" altLang="en-US" sz="4800" dirty="0">
+              <a:rPr lang="en-US" altLang="en-US" sz="4500" dirty="0">
                 <a:solidFill>
                   <a:schemeClr val="bg1"/>
                 </a:solidFill>
@@ -2624,7 +2624,7 @@
               <a:t>Vipul </a:t>
             </a:r>
             <a:r>
-              <a:rPr lang="en-US" altLang="en-US" sz="4800" dirty="0" err="1">
+              <a:rPr lang="en-US" altLang="en-US" sz="4500" dirty="0" err="1">
                 <a:solidFill>
                   <a:schemeClr val="bg1"/>
                 </a:solidFill>
@@ -2632,28 +2632,60 @@
               <a:t>Kesari</a:t>
             </a:r>
             <a:r>
-              <a:rPr lang="en-US" altLang="en-US" sz="4800" dirty="0">
+              <a:rPr lang="en-US" altLang="en-US" sz="4500" dirty="0">
                 <a:solidFill>
                   <a:schemeClr val="bg1"/>
                 </a:solidFill>
               </a:rPr>
-              <a:t>, Manish Kushwaha, </a:t>
-            </a:r>
-            <a:r>
-              <a:rPr lang="en-US" altLang="en-US" sz="4800" dirty="0" err="1">
+              <a:t> (18118), Manish Kushwaha(18156), </a:t>
+            </a:r>
+            <a:r>
+              <a:rPr lang="en-US" altLang="en-US" sz="4500" dirty="0" err="1">
                 <a:solidFill>
                   <a:schemeClr val="bg1"/>
                 </a:solidFill>
               </a:rPr>
+              <a:t>Prashubh</a:t>
+            </a:r>
+            <a:r>
+              <a:rPr lang="en-US" altLang="en-US" sz="4500" dirty="0">
+                <a:solidFill>
+                  <a:schemeClr val="bg1"/>
+                </a:solidFill>
+              </a:rPr>
+              <a:t> </a:t>
+            </a:r>
+            <a:r>
+              <a:rPr lang="en-US" altLang="en-US" sz="4500" dirty="0" err="1">
+                <a:solidFill>
+                  <a:schemeClr val="bg1"/>
+                </a:solidFill>
+              </a:rPr>
               <a:t>Soni</a:t>
             </a:r>
             <a:r>
-              <a:rPr lang="en-US" altLang="en-US" sz="4800" dirty="0">
+              <a:rPr lang="en-US" altLang="en-US" sz="4500" dirty="0">
                 <a:solidFill>
                   <a:schemeClr val="bg1"/>
                 </a:solidFill>
               </a:rPr>
-              <a:t> ,Shubham</a:t>
+              <a:t> (18172), Shubham </a:t>
+            </a:r>
+            <a:r>
+              <a:rPr lang="en-US" altLang="en-US" sz="4500" dirty="0" err="1">
+                <a:solidFill>
+                  <a:schemeClr val="bg1"/>
+                </a:solidFill>
+              </a:rPr>
+              <a:t>Manjhi</a:t>
+            </a:r>
+            <a:r>
+              <a:rPr lang="en-US" altLang="en-US" sz="4500" dirty="0">
+                <a:solidFill>
+                  <a:schemeClr val="bg1"/>
+                </a:solidFill>
+              </a:rPr>
+              <a:t>(18194)</a:t>
             </a:r>
           </a:p>
           <a:p>
